--- a/Morphosis/문서작업/Morphosis_신재욱.pptx
+++ b/Morphosis/문서작업/Morphosis_신재욱.pptx
@@ -1,6 +1,6 @@
 
 <file path=ppt/presentation.xml><?xml version="1.0" encoding="utf-8"?>
-<p:presentation xmlns:a="http://schemas.openxmlformats.org/drawingml/2006/main" xmlns:r="http://schemas.openxmlformats.org/officeDocument/2006/relationships" xmlns:p="http://schemas.openxmlformats.org/presentationml/2006/main" saveSubsetFonts="1">
+<p:presentation xmlns:a="http://schemas.openxmlformats.org/drawingml/2006/main" xmlns:r="http://schemas.openxmlformats.org/officeDocument/2006/relationships" xmlns:p="http://schemas.openxmlformats.org/presentationml/2006/main" embedTrueTypeFonts="1" saveSubsetFonts="1">
   <p:sldMasterIdLst>
     <p:sldMasterId id="2147483648" r:id="rId1"/>
   </p:sldMasterIdLst>
@@ -15,6 +15,17 @@
   </p:sldIdLst>
   <p:sldSz cx="12192000" cy="6858000"/>
   <p:notesSz cx="6858000" cy="9144000"/>
+  <p:embeddedFontLst>
+    <p:embeddedFont>
+      <p:font typeface="THE정고딕110" panose="02020603020101020101" pitchFamily="18" charset="-127"/>
+      <p:regular r:id="rId9"/>
+    </p:embeddedFont>
+    <p:embeddedFont>
+      <p:font typeface="맑은 고딕" panose="020B0503020000020004" pitchFamily="50" charset="-127"/>
+      <p:regular r:id="rId10"/>
+      <p:bold r:id="rId11"/>
+    </p:embeddedFont>
+  </p:embeddedFontLst>
   <p:defaultTextStyle>
     <a:defPPr>
       <a:defRPr lang="ko-KR"/>
@@ -110,6 +121,11 @@
       </a:defRPr>
     </a:lvl9pPr>
   </p:defaultTextStyle>
+  <p:extLst>
+    <p:ext uri="{EFAFB233-063F-42B5-8137-9DF3F51BA10A}">
+      <p15:sldGuideLst xmlns:p15="http://schemas.microsoft.com/office/powerpoint/2012/main"/>
+    </p:ext>
+  </p:extLst>
 </p:presentation>
 </file>
 
@@ -4681,14 +4697,14 @@
           <p:nvPr>
             <p:extLst>
               <p:ext uri="{D42A27DB-BD31-4B8C-83A1-F6EECF244321}">
-                <p14:modId xmlns:p14="http://schemas.microsoft.com/office/powerpoint/2010/main" val="550563507"/>
+                <p14:modId xmlns:p14="http://schemas.microsoft.com/office/powerpoint/2010/main" val="1959188188"/>
               </p:ext>
             </p:extLst>
           </p:nvPr>
         </p:nvGraphicFramePr>
         <p:xfrm>
           <a:off x="1011765" y="1690687"/>
-          <a:ext cx="10168472" cy="4437050"/>
+          <a:ext cx="10168472" cy="3858869"/>
         </p:xfrm>
         <a:graphic>
           <a:graphicData uri="http://schemas.openxmlformats.org/drawingml/2006/table">
@@ -5803,343 +5819,6 @@
                 <a:extLst>
                   <a:ext uri="{0D108BD9-81ED-4DB2-BD59-A6C34878D82A}">
                     <a16:rowId xmlns:a16="http://schemas.microsoft.com/office/drawing/2014/main" val="3776053092"/>
-                  </a:ext>
-                </a:extLst>
-              </a:tr>
-              <a:tr h="578181">
-                <a:tc>
-                  <a:txBody>
-                    <a:bodyPr/>
-                    <a:lstStyle/>
-                    <a:p>
-                      <a:pPr algn="ctr" latinLnBrk="1"/>
-                      <a:r>
-                        <a:rPr lang="ko-KR" altLang="en-US" b="0" dirty="0" err="1">
-                          <a:latin typeface="THE정고딕110" panose="02020603020101020101" pitchFamily="18" charset="-127"/>
-                          <a:ea typeface="THE정고딕110" panose="02020603020101020101" pitchFamily="18" charset="-127"/>
-                        </a:rPr>
-                        <a:t>쉐이더</a:t>
-                      </a:r>
-                      <a:r>
-                        <a:rPr lang="ko-KR" altLang="en-US" b="0" dirty="0">
-                          <a:latin typeface="THE정고딕110" panose="02020603020101020101" pitchFamily="18" charset="-127"/>
-                          <a:ea typeface="THE정고딕110" panose="02020603020101020101" pitchFamily="18" charset="-127"/>
-                        </a:rPr>
-                        <a:t> 코드 작성</a:t>
-                      </a:r>
-                    </a:p>
-                  </a:txBody>
-                  <a:tcPr anchor="ctr">
-                    <a:lnL w="12700" cap="flat" cmpd="sng" algn="ctr">
-                      <a:solidFill>
-                        <a:schemeClr val="bg2">
-                          <a:lumMod val="25000"/>
-                        </a:schemeClr>
-                      </a:solidFill>
-                      <a:prstDash val="solid"/>
-                      <a:round/>
-                      <a:headEnd type="none" w="med" len="med"/>
-                      <a:tailEnd type="none" w="med" len="med"/>
-                    </a:lnL>
-                    <a:lnR w="12700" cap="flat" cmpd="sng" algn="ctr">
-                      <a:solidFill>
-                        <a:schemeClr val="bg2">
-                          <a:lumMod val="25000"/>
-                        </a:schemeClr>
-                      </a:solidFill>
-                      <a:prstDash val="solid"/>
-                      <a:round/>
-                      <a:headEnd type="none" w="med" len="med"/>
-                      <a:tailEnd type="none" w="med" len="med"/>
-                    </a:lnR>
-                    <a:lnT w="12700" cap="flat" cmpd="sng" algn="ctr">
-                      <a:solidFill>
-                        <a:schemeClr val="bg2">
-                          <a:lumMod val="25000"/>
-                        </a:schemeClr>
-                      </a:solidFill>
-                      <a:prstDash val="solid"/>
-                      <a:round/>
-                      <a:headEnd type="none" w="med" len="med"/>
-                      <a:tailEnd type="none" w="med" len="med"/>
-                    </a:lnT>
-                    <a:lnB w="12700" cap="flat" cmpd="sng" algn="ctr">
-                      <a:solidFill>
-                        <a:schemeClr val="bg2">
-                          <a:lumMod val="25000"/>
-                        </a:schemeClr>
-                      </a:solidFill>
-                      <a:prstDash val="solid"/>
-                      <a:round/>
-                      <a:headEnd type="none" w="med" len="med"/>
-                      <a:tailEnd type="none" w="med" len="med"/>
-                    </a:lnB>
-                    <a:solidFill>
-                      <a:schemeClr val="bg1">
-                        <a:lumMod val="95000"/>
-                      </a:schemeClr>
-                    </a:solidFill>
-                  </a:tcPr>
-                </a:tc>
-                <a:tc>
-                  <a:txBody>
-                    <a:bodyPr/>
-                    <a:lstStyle/>
-                    <a:p>
-                      <a:pPr algn="ctr" latinLnBrk="1"/>
-                      <a:endParaRPr lang="ko-KR" altLang="en-US" b="0" dirty="0">
-                        <a:latin typeface="THE정고딕110" panose="02020603020101020101" pitchFamily="18" charset="-127"/>
-                        <a:ea typeface="THE정고딕110" panose="02020603020101020101" pitchFamily="18" charset="-127"/>
-                      </a:endParaRPr>
-                    </a:p>
-                  </a:txBody>
-                  <a:tcPr anchor="ctr">
-                    <a:lnL w="12700" cap="flat" cmpd="sng" algn="ctr">
-                      <a:solidFill>
-                        <a:schemeClr val="bg2">
-                          <a:lumMod val="25000"/>
-                        </a:schemeClr>
-                      </a:solidFill>
-                      <a:prstDash val="solid"/>
-                      <a:round/>
-                      <a:headEnd type="none" w="med" len="med"/>
-                      <a:tailEnd type="none" w="med" len="med"/>
-                    </a:lnL>
-                    <a:lnR w="12700" cap="flat" cmpd="sng" algn="ctr">
-                      <a:solidFill>
-                        <a:schemeClr val="bg2">
-                          <a:lumMod val="25000"/>
-                        </a:schemeClr>
-                      </a:solidFill>
-                      <a:prstDash val="solid"/>
-                      <a:round/>
-                      <a:headEnd type="none" w="med" len="med"/>
-                      <a:tailEnd type="none" w="med" len="med"/>
-                    </a:lnR>
-                    <a:lnT w="12700" cap="flat" cmpd="sng" algn="ctr">
-                      <a:solidFill>
-                        <a:schemeClr val="bg2">
-                          <a:lumMod val="25000"/>
-                        </a:schemeClr>
-                      </a:solidFill>
-                      <a:prstDash val="solid"/>
-                      <a:round/>
-                      <a:headEnd type="none" w="med" len="med"/>
-                      <a:tailEnd type="none" w="med" len="med"/>
-                    </a:lnT>
-                    <a:lnB w="12700" cap="flat" cmpd="sng" algn="ctr">
-                      <a:solidFill>
-                        <a:schemeClr val="bg2">
-                          <a:lumMod val="25000"/>
-                        </a:schemeClr>
-                      </a:solidFill>
-                      <a:prstDash val="solid"/>
-                      <a:round/>
-                      <a:headEnd type="none" w="med" len="med"/>
-                      <a:tailEnd type="none" w="med" len="med"/>
-                    </a:lnB>
-                    <a:solidFill>
-                      <a:schemeClr val="bg2">
-                        <a:lumMod val="75000"/>
-                      </a:schemeClr>
-                    </a:solidFill>
-                  </a:tcPr>
-                </a:tc>
-                <a:tc>
-                  <a:txBody>
-                    <a:bodyPr/>
-                    <a:lstStyle/>
-                    <a:p>
-                      <a:pPr algn="ctr" latinLnBrk="1"/>
-                      <a:endParaRPr lang="ko-KR" altLang="en-US" b="0" dirty="0">
-                        <a:latin typeface="THE정고딕110" panose="02020603020101020101" pitchFamily="18" charset="-127"/>
-                        <a:ea typeface="THE정고딕110" panose="02020603020101020101" pitchFamily="18" charset="-127"/>
-                      </a:endParaRPr>
-                    </a:p>
-                  </a:txBody>
-                  <a:tcPr anchor="ctr">
-                    <a:lnL w="12700" cap="flat" cmpd="sng" algn="ctr">
-                      <a:solidFill>
-                        <a:schemeClr val="bg2">
-                          <a:lumMod val="25000"/>
-                        </a:schemeClr>
-                      </a:solidFill>
-                      <a:prstDash val="solid"/>
-                      <a:round/>
-                      <a:headEnd type="none" w="med" len="med"/>
-                      <a:tailEnd type="none" w="med" len="med"/>
-                    </a:lnL>
-                    <a:lnR w="12700" cap="flat" cmpd="sng" algn="ctr">
-                      <a:solidFill>
-                        <a:schemeClr val="bg2">
-                          <a:lumMod val="25000"/>
-                        </a:schemeClr>
-                      </a:solidFill>
-                      <a:prstDash val="solid"/>
-                      <a:round/>
-                      <a:headEnd type="none" w="med" len="med"/>
-                      <a:tailEnd type="none" w="med" len="med"/>
-                    </a:lnR>
-                    <a:lnT w="12700" cap="flat" cmpd="sng" algn="ctr">
-                      <a:solidFill>
-                        <a:schemeClr val="bg2">
-                          <a:lumMod val="25000"/>
-                        </a:schemeClr>
-                      </a:solidFill>
-                      <a:prstDash val="solid"/>
-                      <a:round/>
-                      <a:headEnd type="none" w="med" len="med"/>
-                      <a:tailEnd type="none" w="med" len="med"/>
-                    </a:lnT>
-                    <a:lnB w="12700" cap="flat" cmpd="sng" algn="ctr">
-                      <a:solidFill>
-                        <a:schemeClr val="bg2">
-                          <a:lumMod val="25000"/>
-                        </a:schemeClr>
-                      </a:solidFill>
-                      <a:prstDash val="solid"/>
-                      <a:round/>
-                      <a:headEnd type="none" w="med" len="med"/>
-                      <a:tailEnd type="none" w="med" len="med"/>
-                    </a:lnB>
-                    <a:solidFill>
-                      <a:schemeClr val="bg2">
-                        <a:lumMod val="75000"/>
-                      </a:schemeClr>
-                    </a:solidFill>
-                  </a:tcPr>
-                </a:tc>
-                <a:tc>
-                  <a:txBody>
-                    <a:bodyPr/>
-                    <a:lstStyle/>
-                    <a:p>
-                      <a:pPr algn="ctr" latinLnBrk="1"/>
-                      <a:endParaRPr lang="ko-KR" altLang="en-US" b="0" dirty="0">
-                        <a:latin typeface="THE정고딕110" panose="02020603020101020101" pitchFamily="18" charset="-127"/>
-                        <a:ea typeface="THE정고딕110" panose="02020603020101020101" pitchFamily="18" charset="-127"/>
-                      </a:endParaRPr>
-                    </a:p>
-                  </a:txBody>
-                  <a:tcPr anchor="ctr">
-                    <a:lnL w="12700" cap="flat" cmpd="sng" algn="ctr">
-                      <a:solidFill>
-                        <a:schemeClr val="bg2">
-                          <a:lumMod val="25000"/>
-                        </a:schemeClr>
-                      </a:solidFill>
-                      <a:prstDash val="solid"/>
-                      <a:round/>
-                      <a:headEnd type="none" w="med" len="med"/>
-                      <a:tailEnd type="none" w="med" len="med"/>
-                    </a:lnL>
-                    <a:lnR w="12700" cap="flat" cmpd="sng" algn="ctr">
-                      <a:solidFill>
-                        <a:schemeClr val="bg2">
-                          <a:lumMod val="25000"/>
-                        </a:schemeClr>
-                      </a:solidFill>
-                      <a:prstDash val="solid"/>
-                      <a:round/>
-                      <a:headEnd type="none" w="med" len="med"/>
-                      <a:tailEnd type="none" w="med" len="med"/>
-                    </a:lnR>
-                    <a:lnT w="12700" cap="flat" cmpd="sng" algn="ctr">
-                      <a:solidFill>
-                        <a:schemeClr val="bg2">
-                          <a:lumMod val="25000"/>
-                        </a:schemeClr>
-                      </a:solidFill>
-                      <a:prstDash val="solid"/>
-                      <a:round/>
-                      <a:headEnd type="none" w="med" len="med"/>
-                      <a:tailEnd type="none" w="med" len="med"/>
-                    </a:lnT>
-                    <a:lnB w="12700" cap="flat" cmpd="sng" algn="ctr">
-                      <a:solidFill>
-                        <a:schemeClr val="bg2">
-                          <a:lumMod val="25000"/>
-                        </a:schemeClr>
-                      </a:solidFill>
-                      <a:prstDash val="solid"/>
-                      <a:round/>
-                      <a:headEnd type="none" w="med" len="med"/>
-                      <a:tailEnd type="none" w="med" len="med"/>
-                    </a:lnB>
-                    <a:solidFill>
-                      <a:schemeClr val="bg2">
-                        <a:lumMod val="75000"/>
-                      </a:schemeClr>
-                    </a:solidFill>
-                  </a:tcPr>
-                </a:tc>
-                <a:tc>
-                  <a:txBody>
-                    <a:bodyPr/>
-                    <a:lstStyle/>
-                    <a:p>
-                      <a:pPr algn="ctr" latinLnBrk="1"/>
-                      <a:endParaRPr lang="ko-KR" altLang="en-US" b="0" dirty="0">
-                        <a:latin typeface="THE정고딕110" panose="02020603020101020101" pitchFamily="18" charset="-127"/>
-                        <a:ea typeface="THE정고딕110" panose="02020603020101020101" pitchFamily="18" charset="-127"/>
-                      </a:endParaRPr>
-                    </a:p>
-                  </a:txBody>
-                  <a:tcPr anchor="ctr">
-                    <a:lnL w="12700" cap="flat" cmpd="sng" algn="ctr">
-                      <a:solidFill>
-                        <a:schemeClr val="bg2">
-                          <a:lumMod val="25000"/>
-                        </a:schemeClr>
-                      </a:solidFill>
-                      <a:prstDash val="solid"/>
-                      <a:round/>
-                      <a:headEnd type="none" w="med" len="med"/>
-                      <a:tailEnd type="none" w="med" len="med"/>
-                    </a:lnL>
-                    <a:lnR w="12700" cap="flat" cmpd="sng" algn="ctr">
-                      <a:solidFill>
-                        <a:schemeClr val="bg2">
-                          <a:lumMod val="25000"/>
-                        </a:schemeClr>
-                      </a:solidFill>
-                      <a:prstDash val="solid"/>
-                      <a:round/>
-                      <a:headEnd type="none" w="med" len="med"/>
-                      <a:tailEnd type="none" w="med" len="med"/>
-                    </a:lnR>
-                    <a:lnT w="12700" cap="flat" cmpd="sng" algn="ctr">
-                      <a:solidFill>
-                        <a:schemeClr val="bg2">
-                          <a:lumMod val="25000"/>
-                        </a:schemeClr>
-                      </a:solidFill>
-                      <a:prstDash val="solid"/>
-                      <a:round/>
-                      <a:headEnd type="none" w="med" len="med"/>
-                      <a:tailEnd type="none" w="med" len="med"/>
-                    </a:lnT>
-                    <a:lnB w="12700" cap="flat" cmpd="sng" algn="ctr">
-                      <a:solidFill>
-                        <a:schemeClr val="bg2">
-                          <a:lumMod val="25000"/>
-                        </a:schemeClr>
-                      </a:solidFill>
-                      <a:prstDash val="solid"/>
-                      <a:round/>
-                      <a:headEnd type="none" w="med" len="med"/>
-                      <a:tailEnd type="none" w="med" len="med"/>
-                    </a:lnB>
-                    <a:solidFill>
-                      <a:schemeClr val="bg2">
-                        <a:lumMod val="75000"/>
-                      </a:schemeClr>
-                    </a:solidFill>
-                  </a:tcPr>
-                </a:tc>
-                <a:extLst>
-                  <a:ext uri="{0D108BD9-81ED-4DB2-BD59-A6C34878D82A}">
-                    <a16:rowId xmlns:a16="http://schemas.microsoft.com/office/drawing/2014/main" val="3889919513"/>
                   </a:ext>
                 </a:extLst>
               </a:tr>

--- a/Morphosis/문서작업/Morphosis_신재욱.pptx
+++ b/Morphosis/문서작업/Morphosis_신재욱.pptx
@@ -1,6 +1,6 @@
 
 <file path=ppt/presentation.xml><?xml version="1.0" encoding="utf-8"?>
-<p:presentation xmlns:a="http://schemas.openxmlformats.org/drawingml/2006/main" xmlns:r="http://schemas.openxmlformats.org/officeDocument/2006/relationships" xmlns:p="http://schemas.openxmlformats.org/presentationml/2006/main" embedTrueTypeFonts="1" saveSubsetFonts="1">
+<p:presentation xmlns:a="http://schemas.openxmlformats.org/drawingml/2006/main" xmlns:r="http://schemas.openxmlformats.org/officeDocument/2006/relationships" xmlns:p="http://schemas.openxmlformats.org/presentationml/2006/main" saveSubsetFonts="1">
   <p:sldMasterIdLst>
     <p:sldMasterId id="2147483648" r:id="rId1"/>
   </p:sldMasterIdLst>
@@ -15,17 +15,6 @@
   </p:sldIdLst>
   <p:sldSz cx="12192000" cy="6858000"/>
   <p:notesSz cx="6858000" cy="9144000"/>
-  <p:embeddedFontLst>
-    <p:embeddedFont>
-      <p:font typeface="THE정고딕110" panose="02020603020101020101" pitchFamily="18" charset="-127"/>
-      <p:regular r:id="rId9"/>
-    </p:embeddedFont>
-    <p:embeddedFont>
-      <p:font typeface="맑은 고딕" panose="020B0503020000020004" pitchFamily="50" charset="-127"/>
-      <p:regular r:id="rId10"/>
-      <p:bold r:id="rId11"/>
-    </p:embeddedFont>
-  </p:embeddedFontLst>
   <p:defaultTextStyle>
     <a:defPPr>
       <a:defRPr lang="ko-KR"/>
@@ -121,11 +110,6 @@
       </a:defRPr>
     </a:lvl9pPr>
   </p:defaultTextStyle>
-  <p:extLst>
-    <p:ext uri="{EFAFB233-063F-42B5-8137-9DF3F51BA10A}">
-      <p15:sldGuideLst xmlns:p15="http://schemas.microsoft.com/office/powerpoint/2012/main"/>
-    </p:ext>
-  </p:extLst>
 </p:presentation>
 </file>
 
@@ -4697,14 +4681,14 @@
           <p:nvPr>
             <p:extLst>
               <p:ext uri="{D42A27DB-BD31-4B8C-83A1-F6EECF244321}">
-                <p14:modId xmlns:p14="http://schemas.microsoft.com/office/powerpoint/2010/main" val="1959188188"/>
+                <p14:modId xmlns:p14="http://schemas.microsoft.com/office/powerpoint/2010/main" val="550563507"/>
               </p:ext>
             </p:extLst>
           </p:nvPr>
         </p:nvGraphicFramePr>
         <p:xfrm>
           <a:off x="1011765" y="1690687"/>
-          <a:ext cx="10168472" cy="3858869"/>
+          <a:ext cx="10168472" cy="4437050"/>
         </p:xfrm>
         <a:graphic>
           <a:graphicData uri="http://schemas.openxmlformats.org/drawingml/2006/table">
@@ -5819,6 +5803,343 @@
                 <a:extLst>
                   <a:ext uri="{0D108BD9-81ED-4DB2-BD59-A6C34878D82A}">
                     <a16:rowId xmlns:a16="http://schemas.microsoft.com/office/drawing/2014/main" val="3776053092"/>
+                  </a:ext>
+                </a:extLst>
+              </a:tr>
+              <a:tr h="578181">
+                <a:tc>
+                  <a:txBody>
+                    <a:bodyPr/>
+                    <a:lstStyle/>
+                    <a:p>
+                      <a:pPr algn="ctr" latinLnBrk="1"/>
+                      <a:r>
+                        <a:rPr lang="ko-KR" altLang="en-US" b="0" dirty="0" err="1">
+                          <a:latin typeface="THE정고딕110" panose="02020603020101020101" pitchFamily="18" charset="-127"/>
+                          <a:ea typeface="THE정고딕110" panose="02020603020101020101" pitchFamily="18" charset="-127"/>
+                        </a:rPr>
+                        <a:t>쉐이더</a:t>
+                      </a:r>
+                      <a:r>
+                        <a:rPr lang="ko-KR" altLang="en-US" b="0" dirty="0">
+                          <a:latin typeface="THE정고딕110" panose="02020603020101020101" pitchFamily="18" charset="-127"/>
+                          <a:ea typeface="THE정고딕110" panose="02020603020101020101" pitchFamily="18" charset="-127"/>
+                        </a:rPr>
+                        <a:t> 코드 작성</a:t>
+                      </a:r>
+                    </a:p>
+                  </a:txBody>
+                  <a:tcPr anchor="ctr">
+                    <a:lnL w="12700" cap="flat" cmpd="sng" algn="ctr">
+                      <a:solidFill>
+                        <a:schemeClr val="bg2">
+                          <a:lumMod val="25000"/>
+                        </a:schemeClr>
+                      </a:solidFill>
+                      <a:prstDash val="solid"/>
+                      <a:round/>
+                      <a:headEnd type="none" w="med" len="med"/>
+                      <a:tailEnd type="none" w="med" len="med"/>
+                    </a:lnL>
+                    <a:lnR w="12700" cap="flat" cmpd="sng" algn="ctr">
+                      <a:solidFill>
+                        <a:schemeClr val="bg2">
+                          <a:lumMod val="25000"/>
+                        </a:schemeClr>
+                      </a:solidFill>
+                      <a:prstDash val="solid"/>
+                      <a:round/>
+                      <a:headEnd type="none" w="med" len="med"/>
+                      <a:tailEnd type="none" w="med" len="med"/>
+                    </a:lnR>
+                    <a:lnT w="12700" cap="flat" cmpd="sng" algn="ctr">
+                      <a:solidFill>
+                        <a:schemeClr val="bg2">
+                          <a:lumMod val="25000"/>
+                        </a:schemeClr>
+                      </a:solidFill>
+                      <a:prstDash val="solid"/>
+                      <a:round/>
+                      <a:headEnd type="none" w="med" len="med"/>
+                      <a:tailEnd type="none" w="med" len="med"/>
+                    </a:lnT>
+                    <a:lnB w="12700" cap="flat" cmpd="sng" algn="ctr">
+                      <a:solidFill>
+                        <a:schemeClr val="bg2">
+                          <a:lumMod val="25000"/>
+                        </a:schemeClr>
+                      </a:solidFill>
+                      <a:prstDash val="solid"/>
+                      <a:round/>
+                      <a:headEnd type="none" w="med" len="med"/>
+                      <a:tailEnd type="none" w="med" len="med"/>
+                    </a:lnB>
+                    <a:solidFill>
+                      <a:schemeClr val="bg1">
+                        <a:lumMod val="95000"/>
+                      </a:schemeClr>
+                    </a:solidFill>
+                  </a:tcPr>
+                </a:tc>
+                <a:tc>
+                  <a:txBody>
+                    <a:bodyPr/>
+                    <a:lstStyle/>
+                    <a:p>
+                      <a:pPr algn="ctr" latinLnBrk="1"/>
+                      <a:endParaRPr lang="ko-KR" altLang="en-US" b="0" dirty="0">
+                        <a:latin typeface="THE정고딕110" panose="02020603020101020101" pitchFamily="18" charset="-127"/>
+                        <a:ea typeface="THE정고딕110" panose="02020603020101020101" pitchFamily="18" charset="-127"/>
+                      </a:endParaRPr>
+                    </a:p>
+                  </a:txBody>
+                  <a:tcPr anchor="ctr">
+                    <a:lnL w="12700" cap="flat" cmpd="sng" algn="ctr">
+                      <a:solidFill>
+                        <a:schemeClr val="bg2">
+                          <a:lumMod val="25000"/>
+                        </a:schemeClr>
+                      </a:solidFill>
+                      <a:prstDash val="solid"/>
+                      <a:round/>
+                      <a:headEnd type="none" w="med" len="med"/>
+                      <a:tailEnd type="none" w="med" len="med"/>
+                    </a:lnL>
+                    <a:lnR w="12700" cap="flat" cmpd="sng" algn="ctr">
+                      <a:solidFill>
+                        <a:schemeClr val="bg2">
+                          <a:lumMod val="25000"/>
+                        </a:schemeClr>
+                      </a:solidFill>
+                      <a:prstDash val="solid"/>
+                      <a:round/>
+                      <a:headEnd type="none" w="med" len="med"/>
+                      <a:tailEnd type="none" w="med" len="med"/>
+                    </a:lnR>
+                    <a:lnT w="12700" cap="flat" cmpd="sng" algn="ctr">
+                      <a:solidFill>
+                        <a:schemeClr val="bg2">
+                          <a:lumMod val="25000"/>
+                        </a:schemeClr>
+                      </a:solidFill>
+                      <a:prstDash val="solid"/>
+                      <a:round/>
+                      <a:headEnd type="none" w="med" len="med"/>
+                      <a:tailEnd type="none" w="med" len="med"/>
+                    </a:lnT>
+                    <a:lnB w="12700" cap="flat" cmpd="sng" algn="ctr">
+                      <a:solidFill>
+                        <a:schemeClr val="bg2">
+                          <a:lumMod val="25000"/>
+                        </a:schemeClr>
+                      </a:solidFill>
+                      <a:prstDash val="solid"/>
+                      <a:round/>
+                      <a:headEnd type="none" w="med" len="med"/>
+                      <a:tailEnd type="none" w="med" len="med"/>
+                    </a:lnB>
+                    <a:solidFill>
+                      <a:schemeClr val="bg2">
+                        <a:lumMod val="75000"/>
+                      </a:schemeClr>
+                    </a:solidFill>
+                  </a:tcPr>
+                </a:tc>
+                <a:tc>
+                  <a:txBody>
+                    <a:bodyPr/>
+                    <a:lstStyle/>
+                    <a:p>
+                      <a:pPr algn="ctr" latinLnBrk="1"/>
+                      <a:endParaRPr lang="ko-KR" altLang="en-US" b="0" dirty="0">
+                        <a:latin typeface="THE정고딕110" panose="02020603020101020101" pitchFamily="18" charset="-127"/>
+                        <a:ea typeface="THE정고딕110" panose="02020603020101020101" pitchFamily="18" charset="-127"/>
+                      </a:endParaRPr>
+                    </a:p>
+                  </a:txBody>
+                  <a:tcPr anchor="ctr">
+                    <a:lnL w="12700" cap="flat" cmpd="sng" algn="ctr">
+                      <a:solidFill>
+                        <a:schemeClr val="bg2">
+                          <a:lumMod val="25000"/>
+                        </a:schemeClr>
+                      </a:solidFill>
+                      <a:prstDash val="solid"/>
+                      <a:round/>
+                      <a:headEnd type="none" w="med" len="med"/>
+                      <a:tailEnd type="none" w="med" len="med"/>
+                    </a:lnL>
+                    <a:lnR w="12700" cap="flat" cmpd="sng" algn="ctr">
+                      <a:solidFill>
+                        <a:schemeClr val="bg2">
+                          <a:lumMod val="25000"/>
+                        </a:schemeClr>
+                      </a:solidFill>
+                      <a:prstDash val="solid"/>
+                      <a:round/>
+                      <a:headEnd type="none" w="med" len="med"/>
+                      <a:tailEnd type="none" w="med" len="med"/>
+                    </a:lnR>
+                    <a:lnT w="12700" cap="flat" cmpd="sng" algn="ctr">
+                      <a:solidFill>
+                        <a:schemeClr val="bg2">
+                          <a:lumMod val="25000"/>
+                        </a:schemeClr>
+                      </a:solidFill>
+                      <a:prstDash val="solid"/>
+                      <a:round/>
+                      <a:headEnd type="none" w="med" len="med"/>
+                      <a:tailEnd type="none" w="med" len="med"/>
+                    </a:lnT>
+                    <a:lnB w="12700" cap="flat" cmpd="sng" algn="ctr">
+                      <a:solidFill>
+                        <a:schemeClr val="bg2">
+                          <a:lumMod val="25000"/>
+                        </a:schemeClr>
+                      </a:solidFill>
+                      <a:prstDash val="solid"/>
+                      <a:round/>
+                      <a:headEnd type="none" w="med" len="med"/>
+                      <a:tailEnd type="none" w="med" len="med"/>
+                    </a:lnB>
+                    <a:solidFill>
+                      <a:schemeClr val="bg2">
+                        <a:lumMod val="75000"/>
+                      </a:schemeClr>
+                    </a:solidFill>
+                  </a:tcPr>
+                </a:tc>
+                <a:tc>
+                  <a:txBody>
+                    <a:bodyPr/>
+                    <a:lstStyle/>
+                    <a:p>
+                      <a:pPr algn="ctr" latinLnBrk="1"/>
+                      <a:endParaRPr lang="ko-KR" altLang="en-US" b="0" dirty="0">
+                        <a:latin typeface="THE정고딕110" panose="02020603020101020101" pitchFamily="18" charset="-127"/>
+                        <a:ea typeface="THE정고딕110" panose="02020603020101020101" pitchFamily="18" charset="-127"/>
+                      </a:endParaRPr>
+                    </a:p>
+                  </a:txBody>
+                  <a:tcPr anchor="ctr">
+                    <a:lnL w="12700" cap="flat" cmpd="sng" algn="ctr">
+                      <a:solidFill>
+                        <a:schemeClr val="bg2">
+                          <a:lumMod val="25000"/>
+                        </a:schemeClr>
+                      </a:solidFill>
+                      <a:prstDash val="solid"/>
+                      <a:round/>
+                      <a:headEnd type="none" w="med" len="med"/>
+                      <a:tailEnd type="none" w="med" len="med"/>
+                    </a:lnL>
+                    <a:lnR w="12700" cap="flat" cmpd="sng" algn="ctr">
+                      <a:solidFill>
+                        <a:schemeClr val="bg2">
+                          <a:lumMod val="25000"/>
+                        </a:schemeClr>
+                      </a:solidFill>
+                      <a:prstDash val="solid"/>
+                      <a:round/>
+                      <a:headEnd type="none" w="med" len="med"/>
+                      <a:tailEnd type="none" w="med" len="med"/>
+                    </a:lnR>
+                    <a:lnT w="12700" cap="flat" cmpd="sng" algn="ctr">
+                      <a:solidFill>
+                        <a:schemeClr val="bg2">
+                          <a:lumMod val="25000"/>
+                        </a:schemeClr>
+                      </a:solidFill>
+                      <a:prstDash val="solid"/>
+                      <a:round/>
+                      <a:headEnd type="none" w="med" len="med"/>
+                      <a:tailEnd type="none" w="med" len="med"/>
+                    </a:lnT>
+                    <a:lnB w="12700" cap="flat" cmpd="sng" algn="ctr">
+                      <a:solidFill>
+                        <a:schemeClr val="bg2">
+                          <a:lumMod val="25000"/>
+                        </a:schemeClr>
+                      </a:solidFill>
+                      <a:prstDash val="solid"/>
+                      <a:round/>
+                      <a:headEnd type="none" w="med" len="med"/>
+                      <a:tailEnd type="none" w="med" len="med"/>
+                    </a:lnB>
+                    <a:solidFill>
+                      <a:schemeClr val="bg2">
+                        <a:lumMod val="75000"/>
+                      </a:schemeClr>
+                    </a:solidFill>
+                  </a:tcPr>
+                </a:tc>
+                <a:tc>
+                  <a:txBody>
+                    <a:bodyPr/>
+                    <a:lstStyle/>
+                    <a:p>
+                      <a:pPr algn="ctr" latinLnBrk="1"/>
+                      <a:endParaRPr lang="ko-KR" altLang="en-US" b="0" dirty="0">
+                        <a:latin typeface="THE정고딕110" panose="02020603020101020101" pitchFamily="18" charset="-127"/>
+                        <a:ea typeface="THE정고딕110" panose="02020603020101020101" pitchFamily="18" charset="-127"/>
+                      </a:endParaRPr>
+                    </a:p>
+                  </a:txBody>
+                  <a:tcPr anchor="ctr">
+                    <a:lnL w="12700" cap="flat" cmpd="sng" algn="ctr">
+                      <a:solidFill>
+                        <a:schemeClr val="bg2">
+                          <a:lumMod val="25000"/>
+                        </a:schemeClr>
+                      </a:solidFill>
+                      <a:prstDash val="solid"/>
+                      <a:round/>
+                      <a:headEnd type="none" w="med" len="med"/>
+                      <a:tailEnd type="none" w="med" len="med"/>
+                    </a:lnL>
+                    <a:lnR w="12700" cap="flat" cmpd="sng" algn="ctr">
+                      <a:solidFill>
+                        <a:schemeClr val="bg2">
+                          <a:lumMod val="25000"/>
+                        </a:schemeClr>
+                      </a:solidFill>
+                      <a:prstDash val="solid"/>
+                      <a:round/>
+                      <a:headEnd type="none" w="med" len="med"/>
+                      <a:tailEnd type="none" w="med" len="med"/>
+                    </a:lnR>
+                    <a:lnT w="12700" cap="flat" cmpd="sng" algn="ctr">
+                      <a:solidFill>
+                        <a:schemeClr val="bg2">
+                          <a:lumMod val="25000"/>
+                        </a:schemeClr>
+                      </a:solidFill>
+                      <a:prstDash val="solid"/>
+                      <a:round/>
+                      <a:headEnd type="none" w="med" len="med"/>
+                      <a:tailEnd type="none" w="med" len="med"/>
+                    </a:lnT>
+                    <a:lnB w="12700" cap="flat" cmpd="sng" algn="ctr">
+                      <a:solidFill>
+                        <a:schemeClr val="bg2">
+                          <a:lumMod val="25000"/>
+                        </a:schemeClr>
+                      </a:solidFill>
+                      <a:prstDash val="solid"/>
+                      <a:round/>
+                      <a:headEnd type="none" w="med" len="med"/>
+                      <a:tailEnd type="none" w="med" len="med"/>
+                    </a:lnB>
+                    <a:solidFill>
+                      <a:schemeClr val="bg2">
+                        <a:lumMod val="75000"/>
+                      </a:schemeClr>
+                    </a:solidFill>
+                  </a:tcPr>
+                </a:tc>
+                <a:extLst>
+                  <a:ext uri="{0D108BD9-81ED-4DB2-BD59-A6C34878D82A}">
+                    <a16:rowId xmlns:a16="http://schemas.microsoft.com/office/drawing/2014/main" val="3889919513"/>
                   </a:ext>
                 </a:extLst>
               </a:tr>
